--- a/doc/机器学习入门.pptx
+++ b/doc/机器学习入门.pptx
@@ -114,6 +114,11 @@
       </a:defRPr>
     </a:lvl9pPr>
   </p:defaultTextStyle>
+  <p:extLst>
+    <p:ext uri="{EFAFB233-063F-42B5-8137-9DF3F51BA10A}">
+      <p15:sldGuideLst xmlns:p15="http://schemas.microsoft.com/office/powerpoint/2012/main"/>
+    </p:ext>
+  </p:extLst>
 </p:presentation>
 </file>
 
@@ -16211,17 +16216,88 @@
           <a:lstStyle/>
           <a:p>
             <a:r>
-              <a:rPr lang="zh-CN" altLang="en-US" sz="2400">
+              <a:rPr lang="zh-CN" altLang="en-US" sz="2400" dirty="0">
                 <a:solidFill>
                   <a:srgbClr val="000000"/>
                 </a:solidFill>
               </a:rPr>
               <a:t>如何让机器学会学习？</a:t>
             </a:r>
+            <a:endParaRPr lang="en-US" altLang="zh-CN" sz="2400" dirty="0">
+              <a:solidFill>
+                <a:srgbClr val="000000"/>
+              </a:solidFill>
+            </a:endParaRPr>
           </a:p>
           <a:p>
             <a:r>
-              <a:rPr lang="en-US" altLang="zh-CN" sz="2400">
+              <a:rPr lang="zh-CN" altLang="en-US" sz="2400" dirty="0">
+                <a:solidFill>
+                  <a:srgbClr val="000000"/>
+                </a:solidFill>
+              </a:rPr>
+              <a:t>基于 </a:t>
+            </a:r>
+            <a:r>
+              <a:rPr lang="en-US" altLang="zh-CN" sz="2400" dirty="0">
+                <a:solidFill>
+                  <a:srgbClr val="000000"/>
+                </a:solidFill>
+              </a:rPr>
+              <a:t>react </a:t>
+            </a:r>
+            <a:r>
+              <a:rPr lang="en-US" altLang="zh-CN" sz="2400" dirty="0" err="1">
+                <a:solidFill>
+                  <a:srgbClr val="000000"/>
+                </a:solidFill>
+              </a:rPr>
+              <a:t>js</a:t>
+            </a:r>
+            <a:r>
+              <a:rPr lang="en-US" altLang="zh-CN" sz="2400" dirty="0">
+                <a:solidFill>
+                  <a:srgbClr val="000000"/>
+                </a:solidFill>
+              </a:rPr>
+              <a:t> </a:t>
+            </a:r>
+            <a:r>
+              <a:rPr lang="zh-CN" altLang="en-US" sz="2400" dirty="0">
+                <a:solidFill>
+                  <a:srgbClr val="000000"/>
+                </a:solidFill>
+              </a:rPr>
+              <a:t>入门指导（</a:t>
+            </a:r>
+            <a:r>
+              <a:rPr lang="en-US" dirty="0"/>
+              <a:t>https://</a:t>
+            </a:r>
+            <a:r>
+              <a:rPr lang="en-US" dirty="0" err="1"/>
+              <a:t>reactjs.org</a:t>
+            </a:r>
+            <a:r>
+              <a:rPr lang="en-US" dirty="0"/>
+              <a:t>/tutorial/</a:t>
+            </a:r>
+            <a:r>
+              <a:rPr lang="en-US" dirty="0" err="1"/>
+              <a:t>tutorial.html</a:t>
+            </a:r>
+            <a:r>
+              <a:rPr lang="zh-CN" altLang="en-US" sz="2400" dirty="0">
+                <a:solidFill>
+                  <a:srgbClr val="000000"/>
+                </a:solidFill>
+              </a:rPr>
+              <a:t>）</a:t>
+            </a:r>
+          </a:p>
+          <a:p>
+            <a:r>
+              <a:rPr lang="en-US" altLang="zh-CN" sz="2400" dirty="0">
                 <a:solidFill>
                   <a:srgbClr val="000000"/>
                 </a:solidFill>
@@ -16230,21 +16306,29 @@
               <a:t>https://jeff-tian.github.io/tic-tac-toe-ai/</a:t>
             </a:r>
             <a:r>
-              <a:rPr lang="en-US" altLang="zh-CN" sz="2400">
+              <a:rPr lang="en-US" altLang="zh-CN" sz="2400" dirty="0">
                 <a:solidFill>
                   <a:srgbClr val="000000"/>
                 </a:solidFill>
               </a:rPr>
               <a:t> </a:t>
             </a:r>
-            <a:endParaRPr lang="zh-CN" altLang="en-US" sz="2400">
+            <a:r>
+              <a:rPr lang="zh-CN" altLang="en-US" sz="2400">
+                <a:solidFill>
+                  <a:srgbClr val="000000"/>
+                </a:solidFill>
+              </a:rPr>
+              <a:t> 实例</a:t>
+            </a:r>
+            <a:endParaRPr lang="zh-CN" altLang="en-US" sz="2400" dirty="0">
               <a:solidFill>
                 <a:srgbClr val="000000"/>
               </a:solidFill>
             </a:endParaRPr>
           </a:p>
           <a:p>
-            <a:endParaRPr lang="en-US" sz="2400">
+            <a:endParaRPr lang="en-US" sz="2400" dirty="0">
               <a:solidFill>
                 <a:srgbClr val="000000"/>
               </a:solidFill>

--- a/doc/机器学习入门.pptx
+++ b/doc/机器学习入门.pptx
@@ -15953,196 +15953,6 @@
           <a:chExt cx="0" cy="0"/>
         </a:xfrm>
       </p:grpSpPr>
-      <p:sp useBgFill="1">
-        <p:nvSpPr>
-          <p:cNvPr id="8" name="Rectangle 7">
-            <a:extLst>
-              <a:ext uri="{FF2B5EF4-FFF2-40B4-BE49-F238E27FC236}">
-                <a16:creationId xmlns:a16="http://schemas.microsoft.com/office/drawing/2014/main" id="{3B854194-185D-494D-905C-7C7CB2E30F6E}"/>
-              </a:ext>
-              <a:ext uri="{C183D7F6-B498-43B3-948B-1728B52AA6E4}">
-                <adec:decorative xmlns:adec="http://schemas.microsoft.com/office/drawing/2017/decorative" val="1"/>
-              </a:ext>
-            </a:extLst>
-          </p:cNvPr>
-          <p:cNvSpPr>
-            <a:spLocks noGrp="1" noRot="1" noChangeAspect="1" noMove="1" noResize="1" noEditPoints="1" noAdjustHandles="1" noChangeArrowheads="1" noChangeShapeType="1" noTextEdit="1"/>
-          </p:cNvSpPr>
-          <p:nvPr>
-            <p:extLst>
-              <p:ext uri="{386F3935-93C4-4BCD-93E2-E3B085C9AB24}">
-                <p16:designElem xmlns:p16="http://schemas.microsoft.com/office/powerpoint/2015/main" val="1"/>
-              </p:ext>
-            </p:extLst>
-          </p:nvPr>
-        </p:nvSpPr>
-        <p:spPr>
-          <a:xfrm>
-            <a:off x="1" y="0"/>
-            <a:ext cx="6082110" cy="6858000"/>
-          </a:xfrm>
-          <a:prstGeom prst="rect">
-            <a:avLst/>
-          </a:prstGeom>
-          <a:ln>
-            <a:noFill/>
-          </a:ln>
-        </p:spPr>
-        <p:style>
-          <a:lnRef idx="2">
-            <a:schemeClr val="accent1">
-              <a:shade val="50000"/>
-            </a:schemeClr>
-          </a:lnRef>
-          <a:fillRef idx="1">
-            <a:schemeClr val="accent1"/>
-          </a:fillRef>
-          <a:effectRef idx="0">
-            <a:schemeClr val="accent1"/>
-          </a:effectRef>
-          <a:fontRef idx="minor">
-            <a:schemeClr val="lt1"/>
-          </a:fontRef>
-        </p:style>
-        <p:txBody>
-          <a:bodyPr rtlCol="0" anchor="ctr"/>
-          <a:lstStyle/>
-          <a:p>
-            <a:pPr algn="ctr"/>
-            <a:endParaRPr lang="en-US"/>
-          </a:p>
-        </p:txBody>
-      </p:sp>
-      <p:sp>
-        <p:nvSpPr>
-          <p:cNvPr id="10" name="Rectangle 9">
-            <a:extLst>
-              <a:ext uri="{FF2B5EF4-FFF2-40B4-BE49-F238E27FC236}">
-                <a16:creationId xmlns:a16="http://schemas.microsoft.com/office/drawing/2014/main" id="{B4F5FA0D-0104-4987-8241-EFF7C85B88DE}"/>
-              </a:ext>
-              <a:ext uri="{C183D7F6-B498-43B3-948B-1728B52AA6E4}">
-                <adec:decorative xmlns:adec="http://schemas.microsoft.com/office/drawing/2017/decorative" val="1"/>
-              </a:ext>
-            </a:extLst>
-          </p:cNvPr>
-          <p:cNvSpPr>
-            <a:spLocks noGrp="1" noRot="1" noChangeAspect="1" noMove="1" noResize="1" noEditPoints="1" noAdjustHandles="1" noChangeArrowheads="1" noChangeShapeType="1" noTextEdit="1"/>
-          </p:cNvSpPr>
-          <p:nvPr>
-            <p:extLst>
-              <p:ext uri="{386F3935-93C4-4BCD-93E2-E3B085C9AB24}">
-                <p16:designElem xmlns:p16="http://schemas.microsoft.com/office/powerpoint/2015/main" val="1"/>
-              </p:ext>
-            </p:extLst>
-          </p:nvPr>
-        </p:nvSpPr>
-        <p:spPr>
-          <a:xfrm>
-            <a:off x="1" y="0"/>
-            <a:ext cx="12191998" cy="6858000"/>
-          </a:xfrm>
-          <a:prstGeom prst="rect">
-            <a:avLst/>
-          </a:prstGeom>
-          <a:gradFill>
-            <a:gsLst>
-              <a:gs pos="0">
-                <a:schemeClr val="accent1">
-                  <a:lumMod val="90000"/>
-                </a:schemeClr>
-              </a:gs>
-              <a:gs pos="25000">
-                <a:schemeClr val="accent1">
-                  <a:lumMod val="90000"/>
-                </a:schemeClr>
-              </a:gs>
-              <a:gs pos="94000">
-                <a:schemeClr val="bg2">
-                  <a:lumMod val="25000"/>
-                </a:schemeClr>
-              </a:gs>
-              <a:gs pos="100000">
-                <a:schemeClr val="bg2">
-                  <a:lumMod val="25000"/>
-                </a:schemeClr>
-              </a:gs>
-            </a:gsLst>
-            <a:lin ang="4200000" scaled="0"/>
-          </a:gradFill>
-          <a:ln>
-            <a:noFill/>
-          </a:ln>
-        </p:spPr>
-        <p:style>
-          <a:lnRef idx="2">
-            <a:schemeClr val="accent1">
-              <a:shade val="50000"/>
-            </a:schemeClr>
-          </a:lnRef>
-          <a:fillRef idx="1">
-            <a:schemeClr val="accent1"/>
-          </a:fillRef>
-          <a:effectRef idx="0">
-            <a:schemeClr val="accent1"/>
-          </a:effectRef>
-          <a:fontRef idx="minor">
-            <a:schemeClr val="lt1"/>
-          </a:fontRef>
-        </p:style>
-        <p:txBody>
-          <a:bodyPr rtlCol="0" anchor="ctr"/>
-          <a:lstStyle/>
-          <a:p>
-            <a:pPr algn="ctr"/>
-            <a:endParaRPr lang="en-US"/>
-          </a:p>
-        </p:txBody>
-      </p:sp>
-      <p:pic>
-        <p:nvPicPr>
-          <p:cNvPr id="12" name="Picture 11">
-            <a:extLst>
-              <a:ext uri="{FF2B5EF4-FFF2-40B4-BE49-F238E27FC236}">
-                <a16:creationId xmlns:a16="http://schemas.microsoft.com/office/drawing/2014/main" id="{2897127E-6CEF-446C-BE87-93B7C46E49D1}"/>
-              </a:ext>
-              <a:ext uri="{C183D7F6-B498-43B3-948B-1728B52AA6E4}">
-                <adec:decorative xmlns:adec="http://schemas.microsoft.com/office/drawing/2017/decorative" val="1"/>
-              </a:ext>
-            </a:extLst>
-          </p:cNvPr>
-          <p:cNvPicPr>
-            <a:picLocks noGrp="1" noRot="1" noChangeAspect="1" noMove="1" noResize="1" noEditPoints="1" noAdjustHandles="1" noChangeArrowheads="1" noChangeShapeType="1" noCrop="1"/>
-          </p:cNvPicPr>
-          <p:nvPr>
-            <p:extLst>
-              <p:ext uri="{386F3935-93C4-4BCD-93E2-E3B085C9AB24}">
-                <p16:designElem xmlns:p16="http://schemas.microsoft.com/office/powerpoint/2015/main" val="1"/>
-              </p:ext>
-            </p:extLst>
-          </p:nvPr>
-        </p:nvPicPr>
-        <p:blipFill>
-          <a:blip r:embed="rId2">
-            <a:extLst>
-              <a:ext uri="{28A0092B-C50C-407E-A947-70E740481C1C}">
-                <a14:useLocalDpi xmlns:a14="http://schemas.microsoft.com/office/drawing/2010/main" val="0"/>
-              </a:ext>
-            </a:extLst>
-          </a:blip>
-          <a:stretch>
-            <a:fillRect/>
-          </a:stretch>
-        </p:blipFill>
-        <p:spPr>
-          <a:xfrm>
-            <a:off x="0" y="0"/>
-            <a:ext cx="12192000" cy="6858000"/>
-          </a:xfrm>
-          <a:prstGeom prst="rect">
-            <a:avLst/>
-          </a:prstGeom>
-        </p:spPr>
-      </p:pic>
       <p:sp>
         <p:nvSpPr>
           <p:cNvPr id="2" name="Title 1">
@@ -16161,8 +15971,8 @@
         </p:nvSpPr>
         <p:spPr>
           <a:xfrm>
-            <a:off x="640079" y="2053641"/>
-            <a:ext cx="3669161" cy="2760098"/>
+            <a:off x="1571811" y="1573586"/>
+            <a:ext cx="9122584" cy="1325563"/>
           </a:xfrm>
         </p:spPr>
         <p:txBody>
@@ -16172,18 +15982,10 @@
           <a:lstStyle/>
           <a:p>
             <a:r>
-              <a:rPr lang="zh-CN" altLang="en-US">
-                <a:solidFill>
-                  <a:srgbClr val="FFFFFF"/>
-                </a:solidFill>
-              </a:rPr>
+              <a:rPr lang="zh-CN" altLang="en-US"/>
               <a:t>实例</a:t>
             </a:r>
-            <a:endParaRPr lang="en-US">
-              <a:solidFill>
-                <a:srgbClr val="FFFFFF"/>
-              </a:solidFill>
-            </a:endParaRPr>
+            <a:endParaRPr lang="en-US"/>
           </a:p>
         </p:txBody>
       </p:sp>
@@ -16205,137 +16007,245 @@
         </p:nvSpPr>
         <p:spPr>
           <a:xfrm>
-            <a:off x="6090574" y="801866"/>
-            <a:ext cx="5306084" cy="5230634"/>
+            <a:off x="1571811" y="3060017"/>
+            <a:ext cx="6066118" cy="2438546"/>
           </a:xfrm>
         </p:spPr>
         <p:txBody>
-          <a:bodyPr anchor="ctr">
+          <a:bodyPr>
             <a:normAutofit/>
           </a:bodyPr>
           <a:lstStyle/>
           <a:p>
             <a:r>
-              <a:rPr lang="zh-CN" altLang="en-US" sz="2400" dirty="0">
-                <a:solidFill>
-                  <a:srgbClr val="000000"/>
-                </a:solidFill>
-              </a:rPr>
+              <a:rPr lang="zh-CN" altLang="en-US" sz="2400"/>
               <a:t>如何让机器学会学习？</a:t>
             </a:r>
-            <a:endParaRPr lang="en-US" altLang="zh-CN" sz="2400" dirty="0">
-              <a:solidFill>
-                <a:srgbClr val="000000"/>
-              </a:solidFill>
-            </a:endParaRPr>
+            <a:endParaRPr lang="en-US" altLang="zh-CN" sz="2400"/>
           </a:p>
           <a:p>
             <a:r>
-              <a:rPr lang="zh-CN" altLang="en-US" sz="2400" dirty="0">
-                <a:solidFill>
-                  <a:srgbClr val="000000"/>
-                </a:solidFill>
-              </a:rPr>
+              <a:rPr lang="zh-CN" altLang="en-US" sz="2400"/>
               <a:t>基于 </a:t>
             </a:r>
             <a:r>
-              <a:rPr lang="en-US" altLang="zh-CN" sz="2400" dirty="0">
-                <a:solidFill>
-                  <a:srgbClr val="000000"/>
-                </a:solidFill>
-              </a:rPr>
-              <a:t>react </a:t>
+              <a:rPr lang="en-US" altLang="zh-CN" sz="2400"/>
+              <a:t>react js </a:t>
             </a:r>
             <a:r>
-              <a:rPr lang="en-US" altLang="zh-CN" sz="2400" dirty="0" err="1">
-                <a:solidFill>
-                  <a:srgbClr val="000000"/>
-                </a:solidFill>
-              </a:rPr>
-              <a:t>js</a:t>
-            </a:r>
-            <a:r>
-              <a:rPr lang="en-US" altLang="zh-CN" sz="2400" dirty="0">
-                <a:solidFill>
-                  <a:srgbClr val="000000"/>
-                </a:solidFill>
-              </a:rPr>
-              <a:t> </a:t>
-            </a:r>
-            <a:r>
-              <a:rPr lang="zh-CN" altLang="en-US" sz="2400" dirty="0">
-                <a:solidFill>
-                  <a:srgbClr val="000000"/>
-                </a:solidFill>
-              </a:rPr>
+              <a:rPr lang="zh-CN" altLang="en-US" sz="2400"/>
               <a:t>入门指导（</a:t>
             </a:r>
             <a:r>
-              <a:rPr lang="en-US" dirty="0"/>
-              <a:t>https://</a:t>
+              <a:rPr lang="en-US" sz="2400">
+                <a:hlinkClick r:id="rId2"/>
+              </a:rPr>
+              <a:t>https://reactjs.org/tutorial/tutorial.html</a:t>
             </a:r>
             <a:r>
-              <a:rPr lang="en-US" dirty="0" err="1"/>
-              <a:t>reactjs.org</a:t>
-            </a:r>
-            <a:r>
-              <a:rPr lang="en-US" dirty="0"/>
-              <a:t>/tutorial/</a:t>
-            </a:r>
-            <a:r>
-              <a:rPr lang="en-US" dirty="0" err="1"/>
-              <a:t>tutorial.html</a:t>
-            </a:r>
-            <a:r>
-              <a:rPr lang="zh-CN" altLang="en-US" sz="2400" dirty="0">
-                <a:solidFill>
-                  <a:srgbClr val="000000"/>
-                </a:solidFill>
-              </a:rPr>
+              <a:rPr lang="zh-CN" altLang="en-US" sz="2400"/>
               <a:t>）</a:t>
             </a:r>
           </a:p>
           <a:p>
             <a:r>
-              <a:rPr lang="en-US" altLang="zh-CN" sz="2400" dirty="0">
-                <a:solidFill>
-                  <a:srgbClr val="000000"/>
-                </a:solidFill>
+              <a:rPr lang="en-US" altLang="zh-CN" sz="2400">
                 <a:hlinkClick r:id="rId3"/>
               </a:rPr>
               <a:t>https://jeff-tian.github.io/tic-tac-toe-ai/</a:t>
             </a:r>
             <a:r>
-              <a:rPr lang="en-US" altLang="zh-CN" sz="2400" dirty="0">
-                <a:solidFill>
-                  <a:srgbClr val="000000"/>
-                </a:solidFill>
-              </a:rPr>
+              <a:rPr lang="en-US" altLang="zh-CN" sz="2400"/>
               <a:t> </a:t>
             </a:r>
             <a:r>
-              <a:rPr lang="zh-CN" altLang="en-US" sz="2400">
-                <a:solidFill>
-                  <a:srgbClr val="000000"/>
-                </a:solidFill>
-              </a:rPr>
+              <a:rPr lang="zh-CN" altLang="en-US" sz="2400"/>
               <a:t> 实例</a:t>
             </a:r>
-            <a:endParaRPr lang="zh-CN" altLang="en-US" sz="2400" dirty="0">
-              <a:solidFill>
-                <a:srgbClr val="000000"/>
-              </a:solidFill>
-            </a:endParaRPr>
           </a:p>
           <a:p>
-            <a:endParaRPr lang="en-US" sz="2400" dirty="0">
-              <a:solidFill>
-                <a:srgbClr val="000000"/>
-              </a:solidFill>
-            </a:endParaRPr>
+            <a:endParaRPr lang="en-US" sz="2400"/>
           </a:p>
         </p:txBody>
       </p:sp>
+      <p:sp>
+        <p:nvSpPr>
+          <p:cNvPr id="25" name="Freeform 6">
+            <a:extLst>
+              <a:ext uri="{FF2B5EF4-FFF2-40B4-BE49-F238E27FC236}">
+                <a16:creationId xmlns:a16="http://schemas.microsoft.com/office/drawing/2014/main" id="{A9616D99-AEFB-4C95-84EF-5DEC698D92A7}"/>
+              </a:ext>
+              <a:ext uri="{C183D7F6-B498-43B3-948B-1728B52AA6E4}">
+                <adec:decorative xmlns:adec="http://schemas.microsoft.com/office/drawing/2017/decorative" val="1"/>
+              </a:ext>
+            </a:extLst>
+          </p:cNvPr>
+          <p:cNvSpPr>
+            <a:spLocks noGrp="1" noRot="1" noChangeAspect="1" noMove="1" noResize="1" noEditPoints="1" noAdjustHandles="1" noChangeArrowheads="1" noChangeShapeType="1" noTextEdit="1"/>
+          </p:cNvSpPr>
+          <p:nvPr>
+            <p:extLst>
+              <p:ext uri="{386F3935-93C4-4BCD-93E2-E3B085C9AB24}">
+                <p16:designElem xmlns:p16="http://schemas.microsoft.com/office/powerpoint/2015/main" val="1"/>
+              </p:ext>
+            </p:extLst>
+          </p:nvPr>
+        </p:nvSpPr>
+        <p:spPr bwMode="auto">
+          <a:xfrm flipH="1" flipV="1">
+            <a:off x="752858" y="744469"/>
+            <a:ext cx="3275668" cy="4408488"/>
+          </a:xfrm>
+          <a:custGeom>
+            <a:avLst/>
+            <a:gdLst/>
+            <a:ahLst/>
+            <a:cxnLst/>
+            <a:rect l="l" t="t" r="r" b="b"/>
+            <a:pathLst>
+              <a:path w="10002" h="10000">
+                <a:moveTo>
+                  <a:pt x="8763" y="0"/>
+                </a:moveTo>
+                <a:lnTo>
+                  <a:pt x="10002" y="0"/>
+                </a:lnTo>
+                <a:lnTo>
+                  <a:pt x="10002" y="10000"/>
+                </a:lnTo>
+                <a:lnTo>
+                  <a:pt x="2" y="10000"/>
+                </a:lnTo>
+                <a:cubicBezTo>
+                  <a:pt x="-2" y="9698"/>
+                  <a:pt x="4" y="9427"/>
+                  <a:pt x="0" y="9125"/>
+                </a:cubicBezTo>
+                <a:lnTo>
+                  <a:pt x="8763" y="9128"/>
+                </a:lnTo>
+                <a:lnTo>
+                  <a:pt x="8763" y="0"/>
+                </a:lnTo>
+                <a:close/>
+              </a:path>
+            </a:pathLst>
+          </a:custGeom>
+          <a:solidFill>
+            <a:srgbClr val="4C4C4C"/>
+          </a:solidFill>
+          <a:ln w="0">
+            <a:noFill/>
+            <a:prstDash val="solid"/>
+            <a:round/>
+            <a:headEnd/>
+            <a:tailEnd/>
+          </a:ln>
+        </p:spPr>
+      </p:sp>
+      <p:sp>
+        <p:nvSpPr>
+          <p:cNvPr id="27" name="Freeform 6">
+            <a:extLst>
+              <a:ext uri="{FF2B5EF4-FFF2-40B4-BE49-F238E27FC236}">
+                <a16:creationId xmlns:a16="http://schemas.microsoft.com/office/drawing/2014/main" id="{D0F97023-F626-4FC5-8C2D-753B5C7F4606}"/>
+              </a:ext>
+              <a:ext uri="{C183D7F6-B498-43B3-948B-1728B52AA6E4}">
+                <adec:decorative xmlns:adec="http://schemas.microsoft.com/office/drawing/2017/decorative" val="1"/>
+              </a:ext>
+            </a:extLst>
+          </p:cNvPr>
+          <p:cNvSpPr>
+            <a:spLocks noGrp="1" noRot="1" noChangeAspect="1" noMove="1" noResize="1" noEditPoints="1" noAdjustHandles="1" noChangeArrowheads="1" noChangeShapeType="1" noTextEdit="1"/>
+          </p:cNvSpPr>
+          <p:nvPr>
+            <p:extLst>
+              <p:ext uri="{386F3935-93C4-4BCD-93E2-E3B085C9AB24}">
+                <p16:designElem xmlns:p16="http://schemas.microsoft.com/office/powerpoint/2015/main" val="1"/>
+              </p:ext>
+            </p:extLst>
+          </p:nvPr>
+        </p:nvSpPr>
+        <p:spPr bwMode="auto">
+          <a:xfrm>
+            <a:off x="8151962" y="1685652"/>
+            <a:ext cx="3275013" cy="4408488"/>
+          </a:xfrm>
+          <a:custGeom>
+            <a:avLst/>
+            <a:gdLst/>
+            <a:ahLst/>
+            <a:cxnLst/>
+            <a:rect l="l" t="t" r="r" b="b"/>
+            <a:pathLst>
+              <a:path w="10000" h="10000">
+                <a:moveTo>
+                  <a:pt x="8761" y="0"/>
+                </a:moveTo>
+                <a:lnTo>
+                  <a:pt x="10000" y="0"/>
+                </a:lnTo>
+                <a:lnTo>
+                  <a:pt x="10000" y="10000"/>
+                </a:lnTo>
+                <a:lnTo>
+                  <a:pt x="0" y="10000"/>
+                </a:lnTo>
+                <a:lnTo>
+                  <a:pt x="0" y="9126"/>
+                </a:lnTo>
+                <a:lnTo>
+                  <a:pt x="8761" y="9127"/>
+                </a:lnTo>
+                <a:lnTo>
+                  <a:pt x="8761" y="0"/>
+                </a:lnTo>
+                <a:close/>
+              </a:path>
+            </a:pathLst>
+          </a:custGeom>
+          <a:solidFill>
+            <a:srgbClr val="4C4C4C"/>
+          </a:solidFill>
+          <a:ln w="0">
+            <a:noFill/>
+            <a:prstDash val="solid"/>
+            <a:round/>
+            <a:headEnd/>
+            <a:tailEnd/>
+          </a:ln>
+        </p:spPr>
+      </p:sp>
+      <p:pic>
+        <p:nvPicPr>
+          <p:cNvPr id="5" name="Picture 4">
+            <a:extLst>
+              <a:ext uri="{FF2B5EF4-FFF2-40B4-BE49-F238E27FC236}">
+                <a16:creationId xmlns:a16="http://schemas.microsoft.com/office/drawing/2014/main" id="{E125FB46-5667-7440-8431-E3C0F3635704}"/>
+              </a:ext>
+            </a:extLst>
+          </p:cNvPr>
+          <p:cNvPicPr>
+            <a:picLocks noChangeAspect="1"/>
+          </p:cNvPicPr>
+          <p:nvPr/>
+        </p:nvPicPr>
+        <p:blipFill>
+          <a:blip r:embed="rId4"/>
+          <a:stretch>
+            <a:fillRect/>
+          </a:stretch>
+        </p:blipFill>
+        <p:spPr>
+          <a:xfrm>
+            <a:off x="8325899" y="3191551"/>
+            <a:ext cx="2194559" cy="2194559"/>
+          </a:xfrm>
+          <a:prstGeom prst="rect">
+            <a:avLst/>
+          </a:prstGeom>
+        </p:spPr>
+      </p:pic>
     </p:spTree>
     <p:extLst>
       <p:ext uri="{BB962C8B-B14F-4D97-AF65-F5344CB8AC3E}">
